--- a/구상도 ver2.pptx
+++ b/구상도 ver2.pptx
@@ -1825,7 +1825,7 @@
           <a:p>
             <a:fld id="{D8B59F78-C206-4277-9D83-E2A0AB9A99B7}" type="datetimeFigureOut">
               <a:rPr lang="ko-KR" altLang="en-US" smtClean="0"/>
-              <a:t>2023-02-01</a:t>
+              <a:t>2023-02-02</a:t>
             </a:fld>
             <a:endParaRPr lang="ko-KR" altLang="en-US"/>
           </a:p>
@@ -2023,7 +2023,7 @@
           <a:p>
             <a:fld id="{D8B59F78-C206-4277-9D83-E2A0AB9A99B7}" type="datetimeFigureOut">
               <a:rPr lang="ko-KR" altLang="en-US" smtClean="0"/>
-              <a:t>2023-02-01</a:t>
+              <a:t>2023-02-02</a:t>
             </a:fld>
             <a:endParaRPr lang="ko-KR" altLang="en-US"/>
           </a:p>
@@ -2231,7 +2231,7 @@
           <a:p>
             <a:fld id="{D8B59F78-C206-4277-9D83-E2A0AB9A99B7}" type="datetimeFigureOut">
               <a:rPr lang="ko-KR" altLang="en-US" smtClean="0"/>
-              <a:t>2023-02-01</a:t>
+              <a:t>2023-02-02</a:t>
             </a:fld>
             <a:endParaRPr lang="ko-KR" altLang="en-US"/>
           </a:p>
@@ -2429,7 +2429,7 @@
           <a:p>
             <a:fld id="{D8B59F78-C206-4277-9D83-E2A0AB9A99B7}" type="datetimeFigureOut">
               <a:rPr lang="ko-KR" altLang="en-US" smtClean="0"/>
-              <a:t>2023-02-01</a:t>
+              <a:t>2023-02-02</a:t>
             </a:fld>
             <a:endParaRPr lang="ko-KR" altLang="en-US"/>
           </a:p>
@@ -2704,7 +2704,7 @@
           <a:p>
             <a:fld id="{D8B59F78-C206-4277-9D83-E2A0AB9A99B7}" type="datetimeFigureOut">
               <a:rPr lang="ko-KR" altLang="en-US" smtClean="0"/>
-              <a:t>2023-02-01</a:t>
+              <a:t>2023-02-02</a:t>
             </a:fld>
             <a:endParaRPr lang="ko-KR" altLang="en-US"/>
           </a:p>
@@ -2969,7 +2969,7 @@
           <a:p>
             <a:fld id="{D8B59F78-C206-4277-9D83-E2A0AB9A99B7}" type="datetimeFigureOut">
               <a:rPr lang="ko-KR" altLang="en-US" smtClean="0"/>
-              <a:t>2023-02-01</a:t>
+              <a:t>2023-02-02</a:t>
             </a:fld>
             <a:endParaRPr lang="ko-KR" altLang="en-US"/>
           </a:p>
@@ -3381,7 +3381,7 @@
           <a:p>
             <a:fld id="{D8B59F78-C206-4277-9D83-E2A0AB9A99B7}" type="datetimeFigureOut">
               <a:rPr lang="ko-KR" altLang="en-US" smtClean="0"/>
-              <a:t>2023-02-01</a:t>
+              <a:t>2023-02-02</a:t>
             </a:fld>
             <a:endParaRPr lang="ko-KR" altLang="en-US"/>
           </a:p>
@@ -3522,7 +3522,7 @@
           <a:p>
             <a:fld id="{D8B59F78-C206-4277-9D83-E2A0AB9A99B7}" type="datetimeFigureOut">
               <a:rPr lang="ko-KR" altLang="en-US" smtClean="0"/>
-              <a:t>2023-02-01</a:t>
+              <a:t>2023-02-02</a:t>
             </a:fld>
             <a:endParaRPr lang="ko-KR" altLang="en-US"/>
           </a:p>
@@ -3635,7 +3635,7 @@
           <a:p>
             <a:fld id="{D8B59F78-C206-4277-9D83-E2A0AB9A99B7}" type="datetimeFigureOut">
               <a:rPr lang="ko-KR" altLang="en-US" smtClean="0"/>
-              <a:t>2023-02-01</a:t>
+              <a:t>2023-02-02</a:t>
             </a:fld>
             <a:endParaRPr lang="ko-KR" altLang="en-US"/>
           </a:p>
@@ -3946,7 +3946,7 @@
           <a:p>
             <a:fld id="{D8B59F78-C206-4277-9D83-E2A0AB9A99B7}" type="datetimeFigureOut">
               <a:rPr lang="ko-KR" altLang="en-US" smtClean="0"/>
-              <a:t>2023-02-01</a:t>
+              <a:t>2023-02-02</a:t>
             </a:fld>
             <a:endParaRPr lang="ko-KR" altLang="en-US"/>
           </a:p>
@@ -4234,7 +4234,7 @@
           <a:p>
             <a:fld id="{D8B59F78-C206-4277-9D83-E2A0AB9A99B7}" type="datetimeFigureOut">
               <a:rPr lang="ko-KR" altLang="en-US" smtClean="0"/>
-              <a:t>2023-02-01</a:t>
+              <a:t>2023-02-02</a:t>
             </a:fld>
             <a:endParaRPr lang="ko-KR" altLang="en-US"/>
           </a:p>
@@ -4475,7 +4475,7 @@
           <a:p>
             <a:fld id="{D8B59F78-C206-4277-9D83-E2A0AB9A99B7}" type="datetimeFigureOut">
               <a:rPr lang="ko-KR" altLang="en-US" smtClean="0"/>
-              <a:t>2023-02-01</a:t>
+              <a:t>2023-02-02</a:t>
             </a:fld>
             <a:endParaRPr lang="ko-KR" altLang="en-US"/>
           </a:p>
@@ -10904,179 +10904,6 @@
       </p:sp>
       <p:sp>
         <p:nvSpPr>
-          <p:cNvPr id="38" name="TextBox 37">
-            <a:extLst>
-              <a:ext uri="{FF2B5EF4-FFF2-40B4-BE49-F238E27FC236}">
-                <a16:creationId xmlns:a16="http://schemas.microsoft.com/office/drawing/2014/main" id="{2DF6B1EA-5E6A-640D-F828-0EBCC0D9EF55}"/>
-              </a:ext>
-            </a:extLst>
-          </p:cNvPr>
-          <p:cNvSpPr txBox="1"/>
-          <p:nvPr/>
-        </p:nvSpPr>
-        <p:spPr>
-          <a:xfrm>
-            <a:off x="4800361" y="4498059"/>
-            <a:ext cx="2270171" cy="230832"/>
-          </a:xfrm>
-          <a:prstGeom prst="rect">
-            <a:avLst/>
-          </a:prstGeom>
-          <a:noFill/>
-        </p:spPr>
-        <p:txBody>
-          <a:bodyPr wrap="square" rtlCol="0">
-            <a:spAutoFit/>
-          </a:bodyPr>
-          <a:lstStyle/>
-          <a:p>
-            <a:pPr algn="ctr"/>
-            <a:r>
-              <a:rPr lang="en-US" altLang="ko-KR" sz="900" dirty="0">
-                <a:solidFill>
-                  <a:schemeClr val="accent6">
-                    <a:lumMod val="60000"/>
-                    <a:lumOff val="40000"/>
-                  </a:schemeClr>
-                </a:solidFill>
-                <a:latin typeface="나눔고딕 ExtraBold" panose="020D0904000000000000" pitchFamily="50" charset="-127"/>
-                <a:ea typeface="나눔고딕 ExtraBold" panose="020D0904000000000000" pitchFamily="50" charset="-127"/>
-              </a:rPr>
-              <a:t>BMI</a:t>
-            </a:r>
-            <a:r>
-              <a:rPr lang="ko-KR" altLang="en-US" sz="900" dirty="0">
-                <a:solidFill>
-                  <a:schemeClr val="accent6">
-                    <a:lumMod val="60000"/>
-                    <a:lumOff val="40000"/>
-                  </a:schemeClr>
-                </a:solidFill>
-                <a:latin typeface="나눔고딕 ExtraBold" panose="020D0904000000000000" pitchFamily="50" charset="-127"/>
-                <a:ea typeface="나눔고딕 ExtraBold" panose="020D0904000000000000" pitchFamily="50" charset="-127"/>
-              </a:rPr>
-              <a:t> 는 </a:t>
-            </a:r>
-            <a:r>
-              <a:rPr lang="en-US" altLang="ko-KR" sz="900" dirty="0">
-                <a:solidFill>
-                  <a:schemeClr val="accent6">
-                    <a:lumMod val="60000"/>
-                    <a:lumOff val="40000"/>
-                  </a:schemeClr>
-                </a:solidFill>
-                <a:latin typeface="나눔고딕 ExtraBold" panose="020D0904000000000000" pitchFamily="50" charset="-127"/>
-                <a:ea typeface="나눔고딕 ExtraBold" panose="020D0904000000000000" pitchFamily="50" charset="-127"/>
-              </a:rPr>
-              <a:t>OOO </a:t>
-            </a:r>
-            <a:r>
-              <a:rPr lang="ko-KR" altLang="en-US" sz="900" dirty="0">
-                <a:solidFill>
-                  <a:schemeClr val="accent6">
-                    <a:lumMod val="60000"/>
-                    <a:lumOff val="40000"/>
-                  </a:schemeClr>
-                </a:solidFill>
-                <a:latin typeface="나눔고딕 ExtraBold" panose="020D0904000000000000" pitchFamily="50" charset="-127"/>
-                <a:ea typeface="나눔고딕 ExtraBold" panose="020D0904000000000000" pitchFamily="50" charset="-127"/>
-              </a:rPr>
-              <a:t>으로 표준</a:t>
-            </a:r>
-            <a:r>
-              <a:rPr lang="en-US" altLang="ko-KR" sz="900" dirty="0">
-                <a:solidFill>
-                  <a:schemeClr val="accent6">
-                    <a:lumMod val="60000"/>
-                    <a:lumOff val="40000"/>
-                  </a:schemeClr>
-                </a:solidFill>
-                <a:latin typeface="나눔고딕 ExtraBold" panose="020D0904000000000000" pitchFamily="50" charset="-127"/>
-                <a:ea typeface="나눔고딕 ExtraBold" panose="020D0904000000000000" pitchFamily="50" charset="-127"/>
-              </a:rPr>
-              <a:t> </a:t>
-            </a:r>
-            <a:r>
-              <a:rPr lang="ko-KR" altLang="en-US" sz="900" dirty="0">
-                <a:solidFill>
-                  <a:schemeClr val="accent6">
-                    <a:lumMod val="60000"/>
-                    <a:lumOff val="40000"/>
-                  </a:schemeClr>
-                </a:solidFill>
-                <a:latin typeface="나눔고딕 ExtraBold" panose="020D0904000000000000" pitchFamily="50" charset="-127"/>
-                <a:ea typeface="나눔고딕 ExtraBold" panose="020D0904000000000000" pitchFamily="50" charset="-127"/>
-              </a:rPr>
-              <a:t>입니다 </a:t>
-            </a:r>
-          </a:p>
-        </p:txBody>
-      </p:sp>
-      <p:graphicFrame>
-        <p:nvGraphicFramePr>
-          <p:cNvPr id="45" name="개체 44">
-            <a:extLst>
-              <a:ext uri="{FF2B5EF4-FFF2-40B4-BE49-F238E27FC236}">
-                <a16:creationId xmlns:a16="http://schemas.microsoft.com/office/drawing/2014/main" id="{DEBD980D-E3D3-E483-5706-E725856AFC94}"/>
-              </a:ext>
-            </a:extLst>
-          </p:cNvPr>
-          <p:cNvGraphicFramePr>
-            <a:graphicFrameLocks noChangeAspect="1"/>
-          </p:cNvGraphicFramePr>
-          <p:nvPr>
-            <p:extLst>
-              <p:ext uri="{D42A27DB-BD31-4B8C-83A1-F6EECF244321}">
-                <p14:modId xmlns:p14="http://schemas.microsoft.com/office/powerpoint/2010/main" val="4099849320"/>
-              </p:ext>
-            </p:extLst>
-          </p:nvPr>
-        </p:nvGraphicFramePr>
-        <p:xfrm>
-          <a:off x="4586838" y="4770678"/>
-          <a:ext cx="2720734" cy="191492"/>
-        </p:xfrm>
-        <a:graphic>
-          <a:graphicData uri="http://schemas.openxmlformats.org/presentationml/2006/ole">
-            <mc:AlternateContent xmlns:mc="http://schemas.openxmlformats.org/markup-compatibility/2006">
-              <mc:Choice xmlns:v="urn:schemas-microsoft-com:vml" Requires="v">
-                <p:oleObj name="Worksheet" r:id="rId2" imgW="3360444" imgH="236251" progId="Excel.Sheet.12">
-                  <p:link updateAutomatic="1"/>
-                </p:oleObj>
-              </mc:Choice>
-              <mc:Fallback>
-                <p:oleObj name="Worksheet" r:id="rId2" imgW="3360444" imgH="236251" progId="Excel.Sheet.12">
-                  <p:link updateAutomatic="1"/>
-                  <p:pic>
-                    <p:nvPicPr>
-                      <p:cNvPr id="0" name=""/>
-                      <p:cNvPicPr/>
-                      <p:nvPr/>
-                    </p:nvPicPr>
-                    <p:blipFill>
-                      <a:blip r:embed="rId3"/>
-                      <a:stretch>
-                        <a:fillRect/>
-                      </a:stretch>
-                    </p:blipFill>
-                    <p:spPr>
-                      <a:xfrm>
-                        <a:off x="4586838" y="4770678"/>
-                        <a:ext cx="2720734" cy="191492"/>
-                      </a:xfrm>
-                      <a:prstGeom prst="rect">
-                        <a:avLst/>
-                      </a:prstGeom>
-                    </p:spPr>
-                  </p:pic>
-                </p:oleObj>
-              </mc:Fallback>
-            </mc:AlternateContent>
-          </a:graphicData>
-        </a:graphic>
-      </p:graphicFrame>
-      <p:sp>
-        <p:nvSpPr>
           <p:cNvPr id="46" name="TextBox 45">
             <a:extLst>
               <a:ext uri="{FF2B5EF4-FFF2-40B4-BE49-F238E27FC236}">
@@ -11122,60 +10949,36 @@
           </a:p>
         </p:txBody>
       </p:sp>
-      <p:sp>
-        <p:nvSpPr>
-          <p:cNvPr id="47" name="웃는 얼굴 46">
-            <a:extLst>
-              <a:ext uri="{FF2B5EF4-FFF2-40B4-BE49-F238E27FC236}">
-                <a16:creationId xmlns:a16="http://schemas.microsoft.com/office/drawing/2014/main" id="{7936DD5D-5240-A9F1-5B6B-BCBCDF33C202}"/>
-              </a:ext>
-            </a:extLst>
-          </p:cNvPr>
-          <p:cNvSpPr/>
+      <p:pic>
+        <p:nvPicPr>
+          <p:cNvPr id="40" name="그림 39">
+            <a:extLst>
+              <a:ext uri="{FF2B5EF4-FFF2-40B4-BE49-F238E27FC236}">
+                <a16:creationId xmlns:a16="http://schemas.microsoft.com/office/drawing/2014/main" id="{67FCE5FE-6C92-E708-D236-00895FE29795}"/>
+              </a:ext>
+            </a:extLst>
+          </p:cNvPr>
+          <p:cNvPicPr>
+            <a:picLocks noChangeAspect="1"/>
+          </p:cNvPicPr>
           <p:nvPr/>
-        </p:nvSpPr>
+        </p:nvPicPr>
+        <p:blipFill>
+          <a:blip r:embed="rId2"/>
+          <a:stretch>
+            <a:fillRect/>
+          </a:stretch>
+        </p:blipFill>
         <p:spPr>
           <a:xfrm>
-            <a:off x="5293520" y="5046218"/>
-            <a:ext cx="230186" cy="224471"/>
+            <a:off x="4624930" y="4465855"/>
+            <a:ext cx="2521195" cy="789575"/>
           </a:xfrm>
-          <a:prstGeom prst="smileyFace">
+          <a:prstGeom prst="rect">
             <a:avLst/>
           </a:prstGeom>
-          <a:solidFill>
-            <a:schemeClr val="bg1"/>
-          </a:solidFill>
-          <a:ln>
-            <a:solidFill>
-              <a:schemeClr val="tx1"/>
-            </a:solidFill>
-          </a:ln>
         </p:spPr>
-        <p:style>
-          <a:lnRef idx="2">
-            <a:schemeClr val="accent1">
-              <a:shade val="50000"/>
-            </a:schemeClr>
-          </a:lnRef>
-          <a:fillRef idx="1">
-            <a:schemeClr val="accent1"/>
-          </a:fillRef>
-          <a:effectRef idx="0">
-            <a:schemeClr val="accent1"/>
-          </a:effectRef>
-          <a:fontRef idx="minor">
-            <a:schemeClr val="lt1"/>
-          </a:fontRef>
-        </p:style>
-        <p:txBody>
-          <a:bodyPr rtlCol="0" anchor="ctr"/>
-          <a:lstStyle/>
-          <a:p>
-            <a:pPr algn="ctr"/>
-            <a:endParaRPr lang="ko-KR" altLang="en-US"/>
-          </a:p>
-        </p:txBody>
-      </p:sp>
+      </p:pic>
     </p:spTree>
     <p:extLst>
       <p:ext uri="{BB962C8B-B14F-4D97-AF65-F5344CB8AC3E}">
@@ -11929,18 +11732,13 @@
           <a:p>
             <a:pPr algn="ctr"/>
             <a:r>
-              <a:rPr lang="ko-KR" altLang="en-US" dirty="0" err="1">
+              <a:rPr lang="ko-KR" altLang="en-US" dirty="0">
                 <a:solidFill>
                   <a:schemeClr val="tx1"/>
                 </a:solidFill>
               </a:rPr>
-              <a:t>ㅇㅇ</a:t>
+              <a:t>운동</a:t>
             </a:r>
-            <a:endParaRPr lang="ko-KR" altLang="en-US" dirty="0">
-              <a:solidFill>
-                <a:schemeClr val="tx1"/>
-              </a:solidFill>
-            </a:endParaRPr>
           </a:p>
         </p:txBody>
       </p:sp>
@@ -24971,6 +24769,49 @@
           </a:p>
         </p:txBody>
       </p:sp>
+      <p:sp>
+        <p:nvSpPr>
+          <p:cNvPr id="11" name="TextBox 10">
+            <a:extLst>
+              <a:ext uri="{FF2B5EF4-FFF2-40B4-BE49-F238E27FC236}">
+                <a16:creationId xmlns:a16="http://schemas.microsoft.com/office/drawing/2014/main" id="{946D6BF4-8663-3496-7A17-318365014916}"/>
+              </a:ext>
+            </a:extLst>
+          </p:cNvPr>
+          <p:cNvSpPr txBox="1"/>
+          <p:nvPr/>
+        </p:nvSpPr>
+        <p:spPr>
+          <a:xfrm>
+            <a:off x="2687258" y="1254857"/>
+            <a:ext cx="1097839" cy="415498"/>
+          </a:xfrm>
+          <a:prstGeom prst="rect">
+            <a:avLst/>
+          </a:prstGeom>
+          <a:noFill/>
+        </p:spPr>
+        <p:txBody>
+          <a:bodyPr wrap="square" rtlCol="0">
+            <a:spAutoFit/>
+          </a:bodyPr>
+          <a:lstStyle/>
+          <a:p>
+            <a:r>
+              <a:rPr lang="ko-KR" altLang="en-US" sz="1050" dirty="0"/>
+              <a:t>멘트 추가하면 </a:t>
+            </a:r>
+            <a:r>
+              <a:rPr lang="ko-KR" altLang="en-US" sz="1050" dirty="0" err="1"/>
+              <a:t>좋을것</a:t>
+            </a:r>
+            <a:r>
+              <a:rPr lang="ko-KR" altLang="en-US" sz="1050" dirty="0"/>
+              <a:t> 같음</a:t>
+            </a:r>
+          </a:p>
+        </p:txBody>
+      </p:sp>
     </p:spTree>
     <p:extLst>
       <p:ext uri="{BB962C8B-B14F-4D97-AF65-F5344CB8AC3E}">
